--- a/WeightedDifferentialEvolutionAlgorithm.pptx
+++ b/WeightedDifferentialEvolutionAlgorithm.pptx
@@ -17013,10 +17013,10 @@
       </p:sp>
       <p:pic>
         <p:nvPicPr>
-          <p:cNvPr id="8" name="Image 7">
+          <p:cNvPr id="5" name="Image 4">
             <a:extLst>
               <a:ext uri="{FF2B5EF4-FFF2-40B4-BE49-F238E27FC236}">
-                <a16:creationId xmlns:a16="http://schemas.microsoft.com/office/drawing/2014/main" id="{D17DFB37-2287-4BBC-B37B-3104CDFF7B50}"/>
+                <a16:creationId xmlns:a16="http://schemas.microsoft.com/office/drawing/2014/main" id="{0CF3E3F1-47EF-46C4-B1FD-54F58083EBF3}"/>
               </a:ext>
             </a:extLst>
           </p:cNvPr>
@@ -17033,8 +17033,8 @@
         </p:blipFill>
         <p:spPr>
           <a:xfrm>
-            <a:off x="0" y="2197289"/>
-            <a:ext cx="12192000" cy="2661313"/>
+            <a:off x="0" y="2187148"/>
+            <a:ext cx="12192000" cy="2483703"/>
           </a:xfrm>
           <a:prstGeom prst="rect">
             <a:avLst/>

--- a/WeightedDifferentialEvolutionAlgorithm.pptx
+++ b/WeightedDifferentialEvolutionAlgorithm.pptx
@@ -223,7 +223,7 @@
             <a:pPr rtl="0"/>
             <a:fld id="{B7ED9B38-3B2C-499F-B1DF-08089C0C689D}" type="datetime1">
               <a:rPr lang="fr-FR" smtClean="0"/>
-              <a:t>08/12/2019</a:t>
+              <a:t>12/12/2019</a:t>
             </a:fld>
             <a:endParaRPr lang="fr-FR"/>
           </a:p>
@@ -393,7 +393,7 @@
             <a:pPr rtl="0"/>
             <a:fld id="{1D5D9EE4-FD73-441F-9FE4-28084827734D}" type="datetime1">
               <a:rPr lang="fr-FR" noProof="0" smtClean="0"/>
-              <a:t>08/12/2019</a:t>
+              <a:t>12/12/2019</a:t>
             </a:fld>
             <a:endParaRPr lang="fr-FR" noProof="0"/>
           </a:p>
@@ -3501,7 +3501,7 @@
             <a:pPr rtl="0"/>
             <a:fld id="{DEA176B0-965F-4544-9616-EE8544EE860F}" type="datetime1">
               <a:rPr lang="fr-FR" noProof="0" smtClean="0"/>
-              <a:t>08/12/2019</a:t>
+              <a:t>12/12/2019</a:t>
             </a:fld>
             <a:endParaRPr lang="fr-FR" noProof="0"/>
           </a:p>
@@ -3703,7 +3703,7 @@
             <a:pPr rtl="0"/>
             <a:fld id="{B45A31EB-8F5C-49D8-8080-687668AB0A8C}" type="datetime1">
               <a:rPr lang="fr-FR" noProof="0" smtClean="0"/>
-              <a:t>08/12/2019</a:t>
+              <a:t>12/12/2019</a:t>
             </a:fld>
             <a:endParaRPr lang="fr-FR" noProof="0"/>
           </a:p>
@@ -3895,7 +3895,7 @@
             <a:pPr rtl="0"/>
             <a:fld id="{3B6FA4CD-DBE0-4CD8-AEA3-2D799EE913BB}" type="datetime1">
               <a:rPr lang="fr-FR" noProof="0" smtClean="0"/>
-              <a:t>08/12/2019</a:t>
+              <a:t>12/12/2019</a:t>
             </a:fld>
             <a:endParaRPr lang="fr-FR" noProof="0"/>
           </a:p>
@@ -6241,7 +6241,7 @@
             <a:pPr rtl="0"/>
             <a:fld id="{8282A9C6-3B25-49D1-863F-791EDBD0D7D5}" type="datetime1">
               <a:rPr lang="fr-FR" noProof="0" smtClean="0"/>
-              <a:t>08/12/2019</a:t>
+              <a:t>12/12/2019</a:t>
             </a:fld>
             <a:endParaRPr lang="fr-FR" noProof="0"/>
           </a:p>
@@ -6699,7 +6699,7 @@
             <a:pPr rtl="0"/>
             <a:fld id="{E4A54AC9-7D47-4695-A129-61BA9779EB6D}" type="datetime1">
               <a:rPr lang="fr-FR" noProof="0" smtClean="0"/>
-              <a:t>08/12/2019</a:t>
+              <a:t>12/12/2019</a:t>
             </a:fld>
             <a:endParaRPr lang="fr-FR" noProof="0"/>
           </a:p>
@@ -6835,7 +6835,7 @@
             <a:pPr rtl="0"/>
             <a:fld id="{65F5F17E-FFD4-4872-AC74-0DC9CC658C9B}" type="datetime1">
               <a:rPr lang="fr-FR" noProof="0" smtClean="0"/>
-              <a:t>08/12/2019</a:t>
+              <a:t>12/12/2019</a:t>
             </a:fld>
             <a:endParaRPr lang="fr-FR" noProof="0"/>
           </a:p>
@@ -8771,7 +8771,7 @@
             <a:pPr rtl="0"/>
             <a:fld id="{74CEC4A0-C81D-4419-8162-7B2ED7F46E28}" type="datetime1">
               <a:rPr lang="fr-FR" noProof="0" smtClean="0"/>
-              <a:t>08/12/2019</a:t>
+              <a:t>12/12/2019</a:t>
             </a:fld>
             <a:endParaRPr lang="fr-FR" noProof="0"/>
           </a:p>
@@ -11032,7 +11032,7 @@
             <a:pPr rtl="0"/>
             <a:fld id="{375B3617-D427-45E8-BE98-B12BF76A8059}" type="datetime1">
               <a:rPr lang="fr-FR" noProof="0" smtClean="0"/>
-              <a:t>08/12/2019</a:t>
+              <a:t>12/12/2019</a:t>
             </a:fld>
             <a:endParaRPr lang="fr-FR" noProof="0"/>
           </a:p>
@@ -15330,7 +15330,7 @@
             <a:pPr rtl="0"/>
             <a:fld id="{43BA60B4-2820-4CAD-9F04-053483DCA915}" type="datetime1">
               <a:rPr lang="fr-FR" noProof="0" smtClean="0"/>
-              <a:t>08/12/2019</a:t>
+              <a:t>12/12/2019</a:t>
             </a:fld>
             <a:endParaRPr lang="fr-FR" noProof="0"/>
           </a:p>
@@ -16640,8 +16640,8 @@
         </p:nvSpPr>
         <p:spPr>
           <a:xfrm>
-            <a:off x="655092" y="2130086"/>
-            <a:ext cx="11259403" cy="2597827"/>
+            <a:off x="539262" y="2130086"/>
+            <a:ext cx="11371385" cy="2597827"/>
           </a:xfrm>
           <a:prstGeom prst="rect">
             <a:avLst/>
@@ -16677,7 +16677,27 @@
                   </a:schemeClr>
                 </a:solidFill>
               </a:rPr>
-              <a:t>initialisation mutation croisement sélection , rapport</a:t>
+              <a:t>le croisement, Classe </a:t>
+            </a:r>
+            <a:r>
+              <a:rPr lang="fr-FR" sz="2800" dirty="0" err="1">
+                <a:solidFill>
+                  <a:schemeClr val="accent1">
+                    <a:lumMod val="50000"/>
+                  </a:schemeClr>
+                </a:solidFill>
+              </a:rPr>
+              <a:t>SetUpParams</a:t>
+            </a:r>
+            <a:r>
+              <a:rPr lang="fr-FR" sz="2800" dirty="0">
+                <a:solidFill>
+                  <a:schemeClr val="accent1">
+                    <a:lumMod val="50000"/>
+                  </a:schemeClr>
+                </a:solidFill>
+              </a:rPr>
+              <a:t> et la rédaction du rapport.</a:t>
             </a:r>
           </a:p>
           <a:p>
@@ -16714,7 +16734,7 @@
                   </a:schemeClr>
                 </a:solidFill>
               </a:rPr>
-              <a:t>power point, initialisation mutation croisement sélection </a:t>
+              <a:t>l’initialisation et la présentation power point.</a:t>
             </a:r>
           </a:p>
           <a:p>
@@ -16741,7 +16761,7 @@
                   </a:schemeClr>
                 </a:solidFill>
               </a:rPr>
-              <a:t>initialisation mutation croisement sélection , benchmark </a:t>
+              <a:t>la mutation et les benchmark.</a:t>
             </a:r>
           </a:p>
           <a:p>
@@ -16768,7 +16788,7 @@
                   </a:schemeClr>
                 </a:solidFill>
               </a:rPr>
-              <a:t>initialisation mutation croisement sélection </a:t>
+              <a:t>La sélection.</a:t>
             </a:r>
           </a:p>
         </p:txBody>
@@ -16864,10 +16884,10 @@
       </p:sp>
       <p:pic>
         <p:nvPicPr>
-          <p:cNvPr id="5" name="Image 4">
+          <p:cNvPr id="8" name="Image 7">
             <a:extLst>
               <a:ext uri="{FF2B5EF4-FFF2-40B4-BE49-F238E27FC236}">
-                <a16:creationId xmlns:a16="http://schemas.microsoft.com/office/drawing/2014/main" id="{0AD1E00F-26E7-4A9A-A636-153F9C8A1678}"/>
+                <a16:creationId xmlns:a16="http://schemas.microsoft.com/office/drawing/2014/main" id="{78EA9B73-5AA8-434F-8548-7D4C96B69532}"/>
               </a:ext>
             </a:extLst>
           </p:cNvPr>
@@ -16884,8 +16904,8 @@
         </p:blipFill>
         <p:spPr>
           <a:xfrm>
-            <a:off x="1951788" y="2524835"/>
-            <a:ext cx="3465852" cy="2101755"/>
+            <a:off x="4893500" y="2596240"/>
+            <a:ext cx="2405000" cy="2335089"/>
           </a:xfrm>
           <a:prstGeom prst="rect">
             <a:avLst/>
@@ -16894,10 +16914,10 @@
       </p:pic>
       <p:pic>
         <p:nvPicPr>
-          <p:cNvPr id="8" name="Image 7">
+          <p:cNvPr id="6" name="Image 5">
             <a:extLst>
               <a:ext uri="{FF2B5EF4-FFF2-40B4-BE49-F238E27FC236}">
-                <a16:creationId xmlns:a16="http://schemas.microsoft.com/office/drawing/2014/main" id="{78EA9B73-5AA8-434F-8548-7D4C96B69532}"/>
+                <a16:creationId xmlns:a16="http://schemas.microsoft.com/office/drawing/2014/main" id="{35CAF567-6B21-41BD-AEEB-4FB7DDF9932E}"/>
               </a:ext>
             </a:extLst>
           </p:cNvPr>
@@ -16914,8 +16934,38 @@
         </p:blipFill>
         <p:spPr>
           <a:xfrm>
-            <a:off x="6774361" y="2524835"/>
-            <a:ext cx="3178727" cy="2101755"/>
+            <a:off x="1127561" y="2331593"/>
+            <a:ext cx="2906265" cy="2624720"/>
+          </a:xfrm>
+          <a:prstGeom prst="rect">
+            <a:avLst/>
+          </a:prstGeom>
+        </p:spPr>
+      </p:pic>
+      <p:pic>
+        <p:nvPicPr>
+          <p:cNvPr id="11" name="Image 10">
+            <a:extLst>
+              <a:ext uri="{FF2B5EF4-FFF2-40B4-BE49-F238E27FC236}">
+                <a16:creationId xmlns:a16="http://schemas.microsoft.com/office/drawing/2014/main" id="{CD00A0FE-3D50-4F83-9EB6-1A9EC9CED3DC}"/>
+              </a:ext>
+            </a:extLst>
+          </p:cNvPr>
+          <p:cNvPicPr>
+            <a:picLocks noChangeAspect="1"/>
+          </p:cNvPicPr>
+          <p:nvPr/>
+        </p:nvPicPr>
+        <p:blipFill>
+          <a:blip r:embed="rId5"/>
+          <a:stretch>
+            <a:fillRect/>
+          </a:stretch>
+        </p:blipFill>
+        <p:spPr>
+          <a:xfrm>
+            <a:off x="8158174" y="2315028"/>
+            <a:ext cx="3349435" cy="2512076"/>
           </a:xfrm>
           <a:prstGeom prst="rect">
             <a:avLst/>
@@ -16974,7 +17024,12 @@
             <p:ph type="title"/>
           </p:nvPr>
         </p:nvSpPr>
-        <p:spPr/>
+        <p:spPr>
+          <a:xfrm>
+            <a:off x="1295400" y="726180"/>
+            <a:ext cx="9601200" cy="1142385"/>
+          </a:xfrm>
+        </p:spPr>
         <p:txBody>
           <a:bodyPr rtlCol="0"/>
           <a:lstStyle/>
@@ -17013,10 +17068,10 @@
       </p:sp>
       <p:pic>
         <p:nvPicPr>
-          <p:cNvPr id="5" name="Image 4">
+          <p:cNvPr id="10" name="Image 9">
             <a:extLst>
               <a:ext uri="{FF2B5EF4-FFF2-40B4-BE49-F238E27FC236}">
-                <a16:creationId xmlns:a16="http://schemas.microsoft.com/office/drawing/2014/main" id="{0CF3E3F1-47EF-46C4-B1FD-54F58083EBF3}"/>
+                <a16:creationId xmlns:a16="http://schemas.microsoft.com/office/drawing/2014/main" id="{9F8DF710-CECB-4B4B-9546-FD7B9458B30F}"/>
               </a:ext>
             </a:extLst>
           </p:cNvPr>
@@ -17033,8 +17088,8 @@
         </p:blipFill>
         <p:spPr>
           <a:xfrm>
-            <a:off x="0" y="2187148"/>
-            <a:ext cx="12192000" cy="2483703"/>
+            <a:off x="952500" y="1981201"/>
+            <a:ext cx="10287000" cy="2554978"/>
           </a:xfrm>
           <a:prstGeom prst="rect">
             <a:avLst/>

--- a/WeightedDifferentialEvolutionAlgorithm.pptx
+++ b/WeightedDifferentialEvolutionAlgorithm.pptx
@@ -16331,7 +16331,7 @@
                   </a:schemeClr>
                 </a:solidFill>
               </a:rPr>
-              <a:t>On a pour objectif la compréhension de l’algorithme et de son fonctionnement, le coder en </a:t>
+              <a:t>Ce projet à pour objectif la compréhension de l’algorithme et de son fonctionnement, le coder en </a:t>
             </a:r>
             <a:r>
               <a:rPr lang="fr-FR" sz="2400" dirty="0" err="1">
@@ -16421,7 +16421,12 @@
             <p:ph type="title"/>
           </p:nvPr>
         </p:nvSpPr>
-        <p:spPr/>
+        <p:spPr>
+          <a:xfrm>
+            <a:off x="1295400" y="159434"/>
+            <a:ext cx="9601200" cy="1142385"/>
+          </a:xfrm>
+        </p:spPr>
         <p:txBody>
           <a:bodyPr rtlCol="0"/>
           <a:lstStyle/>
@@ -16489,8 +16494,8 @@
         </p:nvSpPr>
         <p:spPr>
           <a:xfrm>
-            <a:off x="736979" y="2238233"/>
-            <a:ext cx="10495128" cy="2554545"/>
+            <a:off x="890764" y="1460500"/>
+            <a:ext cx="10410472" cy="4893647"/>
           </a:xfrm>
           <a:prstGeom prst="rect">
             <a:avLst/>
@@ -16505,34 +16510,53 @@
           <a:p>
             <a:pPr indent="355600" algn="just"/>
             <a:r>
-              <a:rPr lang="fr-FR" sz="3200" dirty="0">
+              <a:rPr lang="fr-FR" sz="2400" dirty="0">
                 <a:solidFill>
                   <a:schemeClr val="bg2">
                     <a:lumMod val="25000"/>
                   </a:schemeClr>
                 </a:solidFill>
               </a:rPr>
-              <a:t>WDE est un algorithme de recherche évolutif basé sur deux populations, bi-population développé pour résoudre des problèmes d’optimisation numérique à valeurs réelles. WDEA est un algorithme itérative, non </a:t>
+              <a:t>WDE est un algorithme de recherche évolutif basé sur deux populations (bi-population) développé pour résoudre des problèmes d’optimisation numérique à valeurs réelles (séparables, non séparables, problèmes unimodaux, multimodaux et hybrides). </a:t>
             </a:r>
+          </a:p>
+          <a:p>
+            <a:pPr indent="355600" algn="just"/>
             <a:r>
-              <a:rPr lang="fr-FR" sz="3200" dirty="0" err="1">
+              <a:rPr lang="fr-FR" sz="2400" dirty="0">
                 <a:solidFill>
                   <a:schemeClr val="bg2">
                     <a:lumMod val="25000"/>
                   </a:schemeClr>
                 </a:solidFill>
               </a:rPr>
-              <a:t>recursive</a:t>
+              <a:t>WDEA est un algorithme itérative, non récursive contrairement à la DEA. WDEA a plus de succès dans la résolution des problèmes numérique par ce qu’il ne se piège pas facilement avec une solution local grâce à son processus d’essaimage très efficace.</a:t>
             </a:r>
+          </a:p>
+          <a:p>
+            <a:pPr indent="355600" algn="just"/>
             <a:r>
-              <a:rPr lang="fr-FR" sz="3200" dirty="0">
+              <a:rPr lang="fr-FR" sz="2400" dirty="0">
                 <a:solidFill>
                   <a:schemeClr val="bg2">
                     <a:lumMod val="25000"/>
                   </a:schemeClr>
                 </a:solidFill>
               </a:rPr>
-              <a:t> contrairement à la DEA,</a:t>
+              <a:t>Ainsi le succès de la résolution des problèmes du WDEA ne dépend pas du type du problème, il n’as pas besoin d’utiliser une mutation différente pour chaque type de problème. Le processus de croisement et de mutation de WDEA sont plus simples et plus efficace que ceux du DEA. </a:t>
+            </a:r>
+          </a:p>
+          <a:p>
+            <a:pPr indent="355600" algn="just"/>
+            <a:r>
+              <a:rPr lang="fr-FR" sz="2400" dirty="0">
+                <a:solidFill>
+                  <a:schemeClr val="bg2">
+                    <a:lumMod val="25000"/>
+                  </a:schemeClr>
+                </a:solidFill>
+              </a:rPr>
+              <a:t>  </a:t>
             </a:r>
           </a:p>
         </p:txBody>

--- a/WeightedDifferentialEvolutionAlgorithm.pptx
+++ b/WeightedDifferentialEvolutionAlgorithm.pptx
@@ -16494,8 +16494,8 @@
         </p:nvSpPr>
         <p:spPr>
           <a:xfrm>
-            <a:off x="890764" y="1460500"/>
-            <a:ext cx="10410472" cy="4893647"/>
+            <a:off x="890764" y="1725544"/>
+            <a:ext cx="10410472" cy="4524315"/>
           </a:xfrm>
           <a:prstGeom prst="rect">
             <a:avLst/>
@@ -16510,7 +16510,7 @@
           <a:p>
             <a:pPr indent="355600" algn="just"/>
             <a:r>
-              <a:rPr lang="fr-FR" sz="2400" dirty="0">
+              <a:rPr lang="fr-FR" sz="2200" dirty="0">
                 <a:solidFill>
                   <a:schemeClr val="bg2">
                     <a:lumMod val="25000"/>
@@ -16523,7 +16523,7 @@
           <a:p>
             <a:pPr indent="355600" algn="just"/>
             <a:r>
-              <a:rPr lang="fr-FR" sz="2400" dirty="0">
+              <a:rPr lang="fr-FR" sz="2200" dirty="0">
                 <a:solidFill>
                   <a:schemeClr val="bg2">
                     <a:lumMod val="25000"/>
@@ -16536,7 +16536,7 @@
           <a:p>
             <a:pPr indent="355600" algn="just"/>
             <a:r>
-              <a:rPr lang="fr-FR" sz="2400" dirty="0">
+              <a:rPr lang="fr-FR" sz="2200" dirty="0">
                 <a:solidFill>
                   <a:schemeClr val="bg2">
                     <a:lumMod val="25000"/>
@@ -16665,7 +16665,7 @@
         <p:spPr>
           <a:xfrm>
             <a:off x="539262" y="2130086"/>
-            <a:ext cx="11371385" cy="2597827"/>
+            <a:ext cx="11371385" cy="3244158"/>
           </a:xfrm>
           <a:prstGeom prst="rect">
             <a:avLst/>
@@ -16721,7 +16721,7 @@
                   </a:schemeClr>
                 </a:solidFill>
               </a:rPr>
-              <a:t> et la rédaction du rapport.</a:t>
+              <a:t> et la rédaction du rapport, solution.</a:t>
             </a:r>
           </a:p>
           <a:p>
@@ -16758,7 +16758,7 @@
                   </a:schemeClr>
                 </a:solidFill>
               </a:rPr>
-              <a:t>l’initialisation et la présentation power point.</a:t>
+              <a:t>l’initialisation et la présentation power point, solution.</a:t>
             </a:r>
           </a:p>
           <a:p>
@@ -16785,7 +16785,7 @@
                   </a:schemeClr>
                 </a:solidFill>
               </a:rPr>
-              <a:t>la mutation et les benchmark.</a:t>
+              <a:t>la mutation et les benchmark, solution.</a:t>
             </a:r>
           </a:p>
           <a:p>
@@ -16805,14 +16805,14 @@
               <a:t>Antoine: </a:t>
             </a:r>
             <a:r>
-              <a:rPr lang="fr-FR" sz="2800" dirty="0">
+              <a:rPr lang="fr-FR" sz="2800">
                 <a:solidFill>
                   <a:schemeClr val="accent1">
                     <a:lumMod val="50000"/>
                   </a:schemeClr>
                 </a:solidFill>
               </a:rPr>
-              <a:t>La sélection.</a:t>
+              <a:t>La sélection, solution.</a:t>
             </a:r>
           </a:p>
         </p:txBody>

--- a/WeightedDifferentialEvolutionAlgorithm.pptx
+++ b/WeightedDifferentialEvolutionAlgorithm.pptx
@@ -5,20 +5,21 @@
     <p:sldMasterId id="2147483648" r:id="rId1"/>
   </p:sldMasterIdLst>
   <p:notesMasterIdLst>
-    <p:notesMasterId r:id="rId10"/>
+    <p:notesMasterId r:id="rId11"/>
   </p:notesMasterIdLst>
   <p:handoutMasterIdLst>
-    <p:handoutMasterId r:id="rId11"/>
+    <p:handoutMasterId r:id="rId12"/>
   </p:handoutMasterIdLst>
   <p:sldIdLst>
     <p:sldId id="257" r:id="rId2"/>
     <p:sldId id="271" r:id="rId3"/>
     <p:sldId id="272" r:id="rId4"/>
     <p:sldId id="273" r:id="rId5"/>
-    <p:sldId id="274" r:id="rId6"/>
-    <p:sldId id="275" r:id="rId7"/>
-    <p:sldId id="276" r:id="rId8"/>
-    <p:sldId id="265" r:id="rId9"/>
+    <p:sldId id="277" r:id="rId6"/>
+    <p:sldId id="274" r:id="rId7"/>
+    <p:sldId id="275" r:id="rId8"/>
+    <p:sldId id="276" r:id="rId9"/>
+    <p:sldId id="265" r:id="rId10"/>
   </p:sldIdLst>
   <p:sldSz cx="12192000" cy="6858000"/>
   <p:notesSz cx="6858000" cy="9144000"/>
@@ -1075,7 +1076,7 @@
             <a:pPr rtl="0"/>
             <a:fld id="{82869989-EB00-4EE7-BCB5-25BDC5BB29F8}" type="slidenum">
               <a:rPr lang="fr-FR" smtClean="0"/>
-              <a:t>5</a:t>
+              <a:t>6</a:t>
             </a:fld>
             <a:endParaRPr lang="fr-FR"/>
           </a:p>
@@ -1161,7 +1162,7 @@
             <a:pPr rtl="0"/>
             <a:fld id="{82869989-EB00-4EE7-BCB5-25BDC5BB29F8}" type="slidenum">
               <a:rPr lang="fr-FR" smtClean="0"/>
-              <a:t>6</a:t>
+              <a:t>7</a:t>
             </a:fld>
             <a:endParaRPr lang="fr-FR"/>
           </a:p>
@@ -1247,7 +1248,7 @@
             <a:pPr rtl="0"/>
             <a:fld id="{82869989-EB00-4EE7-BCB5-25BDC5BB29F8}" type="slidenum">
               <a:rPr lang="fr-FR" smtClean="0"/>
-              <a:t>7</a:t>
+              <a:t>8</a:t>
             </a:fld>
             <a:endParaRPr lang="fr-FR"/>
           </a:p>
@@ -1332,7 +1333,7 @@
             <a:pPr rtl="0"/>
             <a:fld id="{82869989-EB00-4EE7-BCB5-25BDC5BB29F8}" type="slidenum">
               <a:rPr lang="fr-FR" smtClean="0"/>
-              <a:t>8</a:t>
+              <a:t>9</a:t>
             </a:fld>
             <a:endParaRPr lang="fr-FR"/>
           </a:p>
@@ -16605,6 +16606,102 @@
       </p:grpSpPr>
       <p:sp>
         <p:nvSpPr>
+          <p:cNvPr id="2" name="Titre 1">
+            <a:extLst>
+              <a:ext uri="{FF2B5EF4-FFF2-40B4-BE49-F238E27FC236}">
+                <a16:creationId xmlns:a16="http://schemas.microsoft.com/office/drawing/2014/main" id="{6FE1EC58-1C8C-4CF6-8733-441E479586D8}"/>
+              </a:ext>
+            </a:extLst>
+          </p:cNvPr>
+          <p:cNvSpPr>
+            <a:spLocks noGrp="1"/>
+          </p:cNvSpPr>
+          <p:nvPr>
+            <p:ph type="title"/>
+          </p:nvPr>
+        </p:nvSpPr>
+        <p:spPr/>
+        <p:txBody>
+          <a:bodyPr/>
+          <a:lstStyle/>
+          <a:p>
+            <a:endParaRPr lang="fr-FR"/>
+          </a:p>
+        </p:txBody>
+      </p:sp>
+      <p:pic>
+        <p:nvPicPr>
+          <p:cNvPr id="5" name="Espace réservé du contenu 4">
+            <a:extLst>
+              <a:ext uri="{FF2B5EF4-FFF2-40B4-BE49-F238E27FC236}">
+                <a16:creationId xmlns:a16="http://schemas.microsoft.com/office/drawing/2014/main" id="{402D4359-B4D1-432B-A157-FA4FC4C71431}"/>
+              </a:ext>
+            </a:extLst>
+          </p:cNvPr>
+          <p:cNvPicPr>
+            <a:picLocks noGrp="1" noChangeAspect="1"/>
+          </p:cNvPicPr>
+          <p:nvPr>
+            <p:ph idx="1"/>
+          </p:nvPr>
+        </p:nvPicPr>
+        <p:blipFill>
+          <a:blip r:embed="rId2"/>
+          <a:stretch>
+            <a:fillRect/>
+          </a:stretch>
+        </p:blipFill>
+        <p:spPr>
+          <a:xfrm>
+            <a:off x="641445" y="503854"/>
+            <a:ext cx="10947779" cy="5568820"/>
+          </a:xfrm>
+        </p:spPr>
+      </p:pic>
+    </p:spTree>
+    <p:extLst>
+      <p:ext uri="{BB962C8B-B14F-4D97-AF65-F5344CB8AC3E}">
+        <p14:creationId xmlns:p14="http://schemas.microsoft.com/office/powerpoint/2010/main" val="4045635273"/>
+      </p:ext>
+    </p:extLst>
+  </p:cSld>
+  <p:clrMapOvr>
+    <a:masterClrMapping/>
+  </p:clrMapOvr>
+  <mc:AlternateContent xmlns:mc="http://schemas.openxmlformats.org/markup-compatibility/2006" xmlns:p14="http://schemas.microsoft.com/office/powerpoint/2010/main">
+    <mc:Choice Requires="p14">
+      <p:transition spd="med" p14:dur="700">
+        <p:fade/>
+      </p:transition>
+    </mc:Choice>
+    <mc:Fallback xmlns="">
+      <p:transition spd="med">
+        <p:fade/>
+      </p:transition>
+    </mc:Fallback>
+  </mc:AlternateContent>
+</p:sld>
+</file>
+
+<file path=ppt/slides/slide6.xml><?xml version="1.0" encoding="utf-8"?>
+<p:sld xmlns:a="http://schemas.openxmlformats.org/drawingml/2006/main" xmlns:r="http://schemas.openxmlformats.org/officeDocument/2006/relationships" xmlns:p="http://schemas.openxmlformats.org/presentationml/2006/main">
+  <p:cSld>
+    <p:spTree>
+      <p:nvGrpSpPr>
+        <p:cNvPr id="1" name=""/>
+        <p:cNvGrpSpPr/>
+        <p:nvPr/>
+      </p:nvGrpSpPr>
+      <p:grpSpPr>
+        <a:xfrm>
+          <a:off x="0" y="0"/>
+          <a:ext cx="0" cy="0"/>
+          <a:chOff x="0" y="0"/>
+          <a:chExt cx="0" cy="0"/>
+        </a:xfrm>
+      </p:grpSpPr>
+      <p:sp>
+        <p:nvSpPr>
           <p:cNvPr id="2" name="Titre 1"/>
           <p:cNvSpPr>
             <a:spLocks noGrp="1"/>
@@ -16842,7 +16939,7 @@
 </p:sld>
 </file>
 
-<file path=ppt/slides/slide6.xml><?xml version="1.0" encoding="utf-8"?>
+<file path=ppt/slides/slide7.xml><?xml version="1.0" encoding="utf-8"?>
 <p:sld xmlns:a="http://schemas.openxmlformats.org/drawingml/2006/main" xmlns:r="http://schemas.openxmlformats.org/officeDocument/2006/relationships" xmlns:p="http://schemas.openxmlformats.org/presentationml/2006/main">
   <p:cSld>
     <p:spTree>
@@ -17021,7 +17118,7 @@
 </p:sld>
 </file>
 
-<file path=ppt/slides/slide7.xml><?xml version="1.0" encoding="utf-8"?>
+<file path=ppt/slides/slide8.xml><?xml version="1.0" encoding="utf-8"?>
 <p:sld xmlns:a="http://schemas.openxmlformats.org/drawingml/2006/main" xmlns:r="http://schemas.openxmlformats.org/officeDocument/2006/relationships" xmlns:p="http://schemas.openxmlformats.org/presentationml/2006/main">
   <p:cSld>
     <p:spTree>
@@ -17145,7 +17242,7 @@
 </p:sld>
 </file>
 
-<file path=ppt/slides/slide8.xml><?xml version="1.0" encoding="utf-8"?>
+<file path=ppt/slides/slide9.xml><?xml version="1.0" encoding="utf-8"?>
 <p:sld xmlns:a="http://schemas.openxmlformats.org/drawingml/2006/main" xmlns:r="http://schemas.openxmlformats.org/officeDocument/2006/relationships" xmlns:p="http://schemas.openxmlformats.org/presentationml/2006/main">
   <p:cSld>
     <p:spTree>

--- a/WeightedDifferentialEvolutionAlgorithm.pptx
+++ b/WeightedDifferentialEvolutionAlgorithm.pptx
@@ -3500,7 +3500,7 @@
           <a:lstStyle/>
           <a:p>
             <a:pPr rtl="0"/>
-            <a:fld id="{DEA176B0-965F-4544-9616-EE8544EE860F}" type="datetime1">
+            <a:fld id="{A6DE2FC9-3074-4EB7-837A-40900D21EA6D}" type="datetime1">
               <a:rPr lang="fr-FR" noProof="0" smtClean="0"/>
               <a:t>12/12/2019</a:t>
             </a:fld>
@@ -3702,7 +3702,7 @@
           <a:lstStyle/>
           <a:p>
             <a:pPr rtl="0"/>
-            <a:fld id="{B45A31EB-8F5C-49D8-8080-687668AB0A8C}" type="datetime1">
+            <a:fld id="{83149817-1BCE-4CE8-9DBC-37A2C4BFE75D}" type="datetime1">
               <a:rPr lang="fr-FR" noProof="0" smtClean="0"/>
               <a:t>12/12/2019</a:t>
             </a:fld>
@@ -3894,7 +3894,7 @@
           <a:lstStyle/>
           <a:p>
             <a:pPr rtl="0"/>
-            <a:fld id="{3B6FA4CD-DBE0-4CD8-AEA3-2D799EE913BB}" type="datetime1">
+            <a:fld id="{43481185-79E4-4978-BBF7-C9685EA7FC28}" type="datetime1">
               <a:rPr lang="fr-FR" noProof="0" smtClean="0"/>
               <a:t>12/12/2019</a:t>
             </a:fld>
@@ -6240,7 +6240,7 @@
           <a:lstStyle/>
           <a:p>
             <a:pPr rtl="0"/>
-            <a:fld id="{8282A9C6-3B25-49D1-863F-791EDBD0D7D5}" type="datetime1">
+            <a:fld id="{31393DAC-7D5C-4513-9383-C560BFED2E2F}" type="datetime1">
               <a:rPr lang="fr-FR" noProof="0" smtClean="0"/>
               <a:t>12/12/2019</a:t>
             </a:fld>
@@ -6698,7 +6698,7 @@
           <a:lstStyle/>
           <a:p>
             <a:pPr rtl="0"/>
-            <a:fld id="{E4A54AC9-7D47-4695-A129-61BA9779EB6D}" type="datetime1">
+            <a:fld id="{DBC2B448-47BC-4B94-9DD9-6045D35499B3}" type="datetime1">
               <a:rPr lang="fr-FR" noProof="0" smtClean="0"/>
               <a:t>12/12/2019</a:t>
             </a:fld>
@@ -6834,7 +6834,7 @@
           <a:lstStyle/>
           <a:p>
             <a:pPr rtl="0"/>
-            <a:fld id="{65F5F17E-FFD4-4872-AC74-0DC9CC658C9B}" type="datetime1">
+            <a:fld id="{3C235C5E-179B-436E-9887-B822663CAC06}" type="datetime1">
               <a:rPr lang="fr-FR" noProof="0" smtClean="0"/>
               <a:t>12/12/2019</a:t>
             </a:fld>
@@ -8770,7 +8770,7 @@
           <a:lstStyle/>
           <a:p>
             <a:pPr rtl="0"/>
-            <a:fld id="{74CEC4A0-C81D-4419-8162-7B2ED7F46E28}" type="datetime1">
+            <a:fld id="{90328A9A-F862-4E09-A7AB-27A42ED48080}" type="datetime1">
               <a:rPr lang="fr-FR" noProof="0" smtClean="0"/>
               <a:t>12/12/2019</a:t>
             </a:fld>
@@ -11031,7 +11031,7 @@
           </a:lstStyle>
           <a:p>
             <a:pPr rtl="0"/>
-            <a:fld id="{375B3617-D427-45E8-BE98-B12BF76A8059}" type="datetime1">
+            <a:fld id="{B652C79A-6A2B-4D9A-9C08-9E08738DC6E8}" type="datetime1">
               <a:rPr lang="fr-FR" noProof="0" smtClean="0"/>
               <a:t>12/12/2019</a:t>
             </a:fld>
@@ -15329,7 +15329,7 @@
           </a:lstStyle>
           <a:p>
             <a:pPr rtl="0"/>
-            <a:fld id="{43BA60B4-2820-4CAD-9F04-053483DCA915}" type="datetime1">
+            <a:fld id="{FCF4AFDB-8927-45E5-9CC3-6213F862EF44}" type="datetime1">
               <a:rPr lang="fr-FR" noProof="0" smtClean="0"/>
               <a:t>12/12/2019</a:t>
             </a:fld>
@@ -15414,7 +15414,7 @@
       </p:transition>
     </mc:Fallback>
   </mc:AlternateContent>
-  <p:hf sldNum="0" hdr="0" ftr="0" dt="0"/>
+  <p:hf hdr="0" ftr="0" dt="0"/>
   <p:txStyles>
     <p:titleStyle>
       <a:lvl1pPr algn="l" defTabSz="914400" rtl="0" eaLnBrk="1" latinLnBrk="0" hangingPunct="1">
@@ -16061,6 +16061,36 @@
           </a:p>
         </p:txBody>
       </p:sp>
+      <p:sp>
+        <p:nvSpPr>
+          <p:cNvPr id="2" name="Espace réservé du numéro de diapositive 1">
+            <a:extLst>
+              <a:ext uri="{FF2B5EF4-FFF2-40B4-BE49-F238E27FC236}">
+                <a16:creationId xmlns:a16="http://schemas.microsoft.com/office/drawing/2014/main" id="{AEBDBAB6-6C35-475D-81AE-BCCEB24DD688}"/>
+              </a:ext>
+            </a:extLst>
+          </p:cNvPr>
+          <p:cNvSpPr>
+            <a:spLocks noGrp="1"/>
+          </p:cNvSpPr>
+          <p:nvPr>
+            <p:ph type="sldNum" sz="quarter" idx="12"/>
+          </p:nvPr>
+        </p:nvSpPr>
+        <p:spPr/>
+        <p:txBody>
+          <a:bodyPr/>
+          <a:lstStyle/>
+          <a:p>
+            <a:pPr rtl="0"/>
+            <a:fld id="{E31375A4-56A4-47D6-9801-1991572033F7}" type="slidenum">
+              <a:rPr lang="fr-FR" noProof="0" smtClean="0"/>
+              <a:t>1</a:t>
+            </a:fld>
+            <a:endParaRPr lang="fr-FR" noProof="0"/>
+          </a:p>
+        </p:txBody>
+      </p:sp>
     </p:spTree>
     <p:extLst>
       <p:ext uri="{BB962C8B-B14F-4D97-AF65-F5344CB8AC3E}">
@@ -16190,6 +16220,36 @@
           <a:p>
             <a:pPr rtl="0"/>
             <a:endParaRPr lang="fr-FR" dirty="0"/>
+          </a:p>
+        </p:txBody>
+      </p:sp>
+      <p:sp>
+        <p:nvSpPr>
+          <p:cNvPr id="4" name="Espace réservé du numéro de diapositive 3">
+            <a:extLst>
+              <a:ext uri="{FF2B5EF4-FFF2-40B4-BE49-F238E27FC236}">
+                <a16:creationId xmlns:a16="http://schemas.microsoft.com/office/drawing/2014/main" id="{46E7A8C8-5687-4F0E-A993-16B73838317A}"/>
+              </a:ext>
+            </a:extLst>
+          </p:cNvPr>
+          <p:cNvSpPr>
+            <a:spLocks noGrp="1"/>
+          </p:cNvSpPr>
+          <p:nvPr>
+            <p:ph type="sldNum" sz="quarter" idx="12"/>
+          </p:nvPr>
+        </p:nvSpPr>
+        <p:spPr/>
+        <p:txBody>
+          <a:bodyPr/>
+          <a:lstStyle/>
+          <a:p>
+            <a:pPr rtl="0"/>
+            <a:fld id="{E31375A4-56A4-47D6-9801-1991572033F7}" type="slidenum">
+              <a:rPr lang="fr-FR" noProof="0" smtClean="0"/>
+              <a:t>2</a:t>
+            </a:fld>
+            <a:endParaRPr lang="fr-FR" noProof="0"/>
           </a:p>
         </p:txBody>
       </p:sp>
@@ -16367,6 +16427,36 @@
               </a:rPr>
               <a:t>Trouver la relation entre le problème de l’algorithme WDEA et ceux des fonctions benchmark, et l’implémenter sur ces derniers.</a:t>
             </a:r>
+          </a:p>
+        </p:txBody>
+      </p:sp>
+      <p:sp>
+        <p:nvSpPr>
+          <p:cNvPr id="4" name="Espace réservé du numéro de diapositive 3">
+            <a:extLst>
+              <a:ext uri="{FF2B5EF4-FFF2-40B4-BE49-F238E27FC236}">
+                <a16:creationId xmlns:a16="http://schemas.microsoft.com/office/drawing/2014/main" id="{E642C8AC-3667-4D84-8888-16E3EA931791}"/>
+              </a:ext>
+            </a:extLst>
+          </p:cNvPr>
+          <p:cNvSpPr>
+            <a:spLocks noGrp="1"/>
+          </p:cNvSpPr>
+          <p:nvPr>
+            <p:ph type="sldNum" sz="quarter" idx="12"/>
+          </p:nvPr>
+        </p:nvSpPr>
+        <p:spPr/>
+        <p:txBody>
+          <a:bodyPr/>
+          <a:lstStyle/>
+          <a:p>
+            <a:pPr rtl="0"/>
+            <a:fld id="{E31375A4-56A4-47D6-9801-1991572033F7}" type="slidenum">
+              <a:rPr lang="fr-FR" noProof="0" smtClean="0"/>
+              <a:t>3</a:t>
+            </a:fld>
+            <a:endParaRPr lang="fr-FR" noProof="0"/>
           </a:p>
         </p:txBody>
       </p:sp>
@@ -16562,6 +16652,36 @@
           </a:p>
         </p:txBody>
       </p:sp>
+      <p:sp>
+        <p:nvSpPr>
+          <p:cNvPr id="4" name="Espace réservé du numéro de diapositive 3">
+            <a:extLst>
+              <a:ext uri="{FF2B5EF4-FFF2-40B4-BE49-F238E27FC236}">
+                <a16:creationId xmlns:a16="http://schemas.microsoft.com/office/drawing/2014/main" id="{5C8D9535-12B8-4F28-8829-195BC404ED03}"/>
+              </a:ext>
+            </a:extLst>
+          </p:cNvPr>
+          <p:cNvSpPr>
+            <a:spLocks noGrp="1"/>
+          </p:cNvSpPr>
+          <p:nvPr>
+            <p:ph type="sldNum" sz="quarter" idx="12"/>
+          </p:nvPr>
+        </p:nvSpPr>
+        <p:spPr/>
+        <p:txBody>
+          <a:bodyPr/>
+          <a:lstStyle/>
+          <a:p>
+            <a:pPr rtl="0"/>
+            <a:fld id="{E31375A4-56A4-47D6-9801-1991572033F7}" type="slidenum">
+              <a:rPr lang="fr-FR" noProof="0" smtClean="0"/>
+              <a:t>4</a:t>
+            </a:fld>
+            <a:endParaRPr lang="fr-FR" noProof="0"/>
+          </a:p>
+        </p:txBody>
+      </p:sp>
     </p:spTree>
     <p:extLst>
       <p:ext uri="{BB962C8B-B14F-4D97-AF65-F5344CB8AC3E}">
@@ -16658,6 +16778,36 @@
           </a:xfrm>
         </p:spPr>
       </p:pic>
+      <p:sp>
+        <p:nvSpPr>
+          <p:cNvPr id="3" name="Espace réservé du numéro de diapositive 2">
+            <a:extLst>
+              <a:ext uri="{FF2B5EF4-FFF2-40B4-BE49-F238E27FC236}">
+                <a16:creationId xmlns:a16="http://schemas.microsoft.com/office/drawing/2014/main" id="{FA29AE88-DB26-4E00-9EC4-B06CEFBA6816}"/>
+              </a:ext>
+            </a:extLst>
+          </p:cNvPr>
+          <p:cNvSpPr>
+            <a:spLocks noGrp="1"/>
+          </p:cNvSpPr>
+          <p:nvPr>
+            <p:ph type="sldNum" sz="quarter" idx="12"/>
+          </p:nvPr>
+        </p:nvSpPr>
+        <p:spPr/>
+        <p:txBody>
+          <a:bodyPr/>
+          <a:lstStyle/>
+          <a:p>
+            <a:pPr rtl="0"/>
+            <a:fld id="{E31375A4-56A4-47D6-9801-1991572033F7}" type="slidenum">
+              <a:rPr lang="fr-FR" noProof="0" smtClean="0"/>
+              <a:t>5</a:t>
+            </a:fld>
+            <a:endParaRPr lang="fr-FR" noProof="0"/>
+          </a:p>
+        </p:txBody>
+      </p:sp>
     </p:spTree>
     <p:extLst>
       <p:ext uri="{BB962C8B-B14F-4D97-AF65-F5344CB8AC3E}">
@@ -16710,7 +16860,12 @@
             <p:ph type="title"/>
           </p:nvPr>
         </p:nvSpPr>
-        <p:spPr/>
+        <p:spPr>
+          <a:xfrm>
+            <a:off x="1261127" y="345885"/>
+            <a:ext cx="9601200" cy="720915"/>
+          </a:xfrm>
+        </p:spPr>
         <p:txBody>
           <a:bodyPr rtlCol="0"/>
           <a:lstStyle/>
@@ -16762,7 +16917,7 @@
         <p:spPr>
           <a:xfrm>
             <a:off x="539262" y="2130086"/>
-            <a:ext cx="11371385" cy="3244158"/>
+            <a:ext cx="11371385" cy="658835"/>
           </a:xfrm>
           <a:prstGeom prst="rect">
             <a:avLst/>
@@ -16780,140 +16935,446 @@
                 <a:spcPct val="150000"/>
               </a:lnSpc>
             </a:pPr>
-            <a:r>
-              <a:rPr lang="fr-FR" sz="2800" b="1" dirty="0">
-                <a:solidFill>
-                  <a:schemeClr val="accent1">
-                    <a:lumMod val="50000"/>
-                  </a:schemeClr>
-                </a:solidFill>
-              </a:rPr>
-              <a:t>Salma: </a:t>
-            </a:r>
-            <a:r>
-              <a:rPr lang="fr-FR" sz="2800" dirty="0">
-                <a:solidFill>
-                  <a:schemeClr val="accent1">
-                    <a:lumMod val="50000"/>
-                  </a:schemeClr>
-                </a:solidFill>
-              </a:rPr>
-              <a:t>le croisement, Classe </a:t>
-            </a:r>
-            <a:r>
-              <a:rPr lang="fr-FR" sz="2800" dirty="0" err="1">
-                <a:solidFill>
-                  <a:schemeClr val="accent1">
-                    <a:lumMod val="50000"/>
-                  </a:schemeClr>
-                </a:solidFill>
-              </a:rPr>
-              <a:t>SetUpParams</a:t>
-            </a:r>
-            <a:r>
-              <a:rPr lang="fr-FR" sz="2800" dirty="0">
-                <a:solidFill>
-                  <a:schemeClr val="accent1">
-                    <a:lumMod val="50000"/>
-                  </a:schemeClr>
-                </a:solidFill>
-              </a:rPr>
-              <a:t> et la rédaction du rapport, solution.</a:t>
-            </a:r>
-          </a:p>
-          <a:p>
-            <a:pPr>
-              <a:lnSpc>
-                <a:spcPct val="150000"/>
-              </a:lnSpc>
-            </a:pPr>
-            <a:r>
-              <a:rPr lang="fr-FR" sz="2800" b="1" dirty="0" err="1">
-                <a:solidFill>
-                  <a:schemeClr val="accent1">
-                    <a:lumMod val="50000"/>
-                  </a:schemeClr>
-                </a:solidFill>
-              </a:rPr>
-              <a:t>Asmae</a:t>
-            </a:r>
-            <a:r>
-              <a:rPr lang="fr-FR" sz="2800" b="1" dirty="0">
-                <a:solidFill>
-                  <a:schemeClr val="accent1">
-                    <a:lumMod val="50000"/>
-                  </a:schemeClr>
-                </a:solidFill>
-              </a:rPr>
-              <a:t>: </a:t>
-            </a:r>
-            <a:r>
-              <a:rPr lang="fr-FR" sz="2800" dirty="0">
-                <a:solidFill>
-                  <a:schemeClr val="accent1">
-                    <a:lumMod val="50000"/>
-                  </a:schemeClr>
-                </a:solidFill>
-              </a:rPr>
-              <a:t>l’initialisation et la présentation power point, solution.</a:t>
-            </a:r>
-          </a:p>
-          <a:p>
-            <a:pPr>
-              <a:lnSpc>
-                <a:spcPct val="150000"/>
-              </a:lnSpc>
-            </a:pPr>
-            <a:r>
-              <a:rPr lang="fr-FR" sz="2800" b="1" dirty="0">
-                <a:solidFill>
-                  <a:schemeClr val="accent1">
-                    <a:lumMod val="50000"/>
-                  </a:schemeClr>
-                </a:solidFill>
-              </a:rPr>
-              <a:t>Boubou: </a:t>
-            </a:r>
-            <a:r>
-              <a:rPr lang="fr-FR" sz="2800" dirty="0">
-                <a:solidFill>
-                  <a:schemeClr val="accent1">
-                    <a:lumMod val="50000"/>
-                  </a:schemeClr>
-                </a:solidFill>
-              </a:rPr>
-              <a:t>la mutation et les benchmark, solution.</a:t>
-            </a:r>
-          </a:p>
-          <a:p>
-            <a:pPr>
-              <a:lnSpc>
-                <a:spcPct val="150000"/>
-              </a:lnSpc>
-            </a:pPr>
-            <a:r>
-              <a:rPr lang="fr-FR" sz="2800" b="1" dirty="0">
-                <a:solidFill>
-                  <a:schemeClr val="accent1">
-                    <a:lumMod val="50000"/>
-                  </a:schemeClr>
-                </a:solidFill>
-              </a:rPr>
-              <a:t>Antoine: </a:t>
-            </a:r>
-            <a:r>
-              <a:rPr lang="fr-FR" sz="2800">
-                <a:solidFill>
-                  <a:schemeClr val="accent1">
-                    <a:lumMod val="50000"/>
-                  </a:schemeClr>
-                </a:solidFill>
-              </a:rPr>
-              <a:t>La sélection, solution.</a:t>
-            </a:r>
+            <a:endParaRPr lang="fr-FR" sz="2800" dirty="0">
+              <a:solidFill>
+                <a:schemeClr val="accent1">
+                  <a:lumMod val="50000"/>
+                </a:schemeClr>
+              </a:solidFill>
+            </a:endParaRPr>
           </a:p>
         </p:txBody>
       </p:sp>
+      <p:sp>
+        <p:nvSpPr>
+          <p:cNvPr id="5" name="Espace réservé du numéro de diapositive 4">
+            <a:extLst>
+              <a:ext uri="{FF2B5EF4-FFF2-40B4-BE49-F238E27FC236}">
+                <a16:creationId xmlns:a16="http://schemas.microsoft.com/office/drawing/2014/main" id="{646A150C-72C9-4F60-A772-CFA9C07EC0C9}"/>
+              </a:ext>
+            </a:extLst>
+          </p:cNvPr>
+          <p:cNvSpPr>
+            <a:spLocks noGrp="1"/>
+          </p:cNvSpPr>
+          <p:nvPr>
+            <p:ph type="sldNum" sz="quarter" idx="12"/>
+          </p:nvPr>
+        </p:nvSpPr>
+        <p:spPr/>
+        <p:txBody>
+          <a:bodyPr/>
+          <a:lstStyle/>
+          <a:p>
+            <a:pPr rtl="0"/>
+            <a:fld id="{E31375A4-56A4-47D6-9801-1991572033F7}" type="slidenum">
+              <a:rPr lang="fr-FR" noProof="0" smtClean="0"/>
+              <a:t>6</a:t>
+            </a:fld>
+            <a:endParaRPr lang="fr-FR" noProof="0"/>
+          </a:p>
+        </p:txBody>
+      </p:sp>
+      <p:graphicFrame>
+        <p:nvGraphicFramePr>
+          <p:cNvPr id="6" name="Tableau 6">
+            <a:extLst>
+              <a:ext uri="{FF2B5EF4-FFF2-40B4-BE49-F238E27FC236}">
+                <a16:creationId xmlns:a16="http://schemas.microsoft.com/office/drawing/2014/main" id="{80640FA0-4294-42BF-A18E-9D95F733E631}"/>
+              </a:ext>
+            </a:extLst>
+          </p:cNvPr>
+          <p:cNvGraphicFramePr>
+            <a:graphicFrameLocks noGrp="1"/>
+          </p:cNvGraphicFramePr>
+          <p:nvPr>
+            <p:extLst>
+              <p:ext uri="{D42A27DB-BD31-4B8C-83A1-F6EECF244321}">
+                <p14:modId xmlns:p14="http://schemas.microsoft.com/office/powerpoint/2010/main" val="1909331601"/>
+              </p:ext>
+            </p:extLst>
+          </p:nvPr>
+        </p:nvGraphicFramePr>
+        <p:xfrm>
+          <a:off x="539261" y="1498920"/>
+          <a:ext cx="11044932" cy="4541520"/>
+        </p:xfrm>
+        <a:graphic>
+          <a:graphicData uri="http://schemas.openxmlformats.org/drawingml/2006/table">
+            <a:tbl>
+              <a:tblPr firstRow="1" bandRow="1">
+                <a:tableStyleId>{BC89EF96-8CEA-46FF-86C4-4CE0E7609802}</a:tableStyleId>
+              </a:tblPr>
+              <a:tblGrid>
+                <a:gridCol w="2586075">
+                  <a:extLst>
+                    <a:ext uri="{9D8B030D-6E8A-4147-A177-3AD203B41FA5}">
+                      <a16:colId xmlns:a16="http://schemas.microsoft.com/office/drawing/2014/main" val="116024043"/>
+                    </a:ext>
+                  </a:extLst>
+                </a:gridCol>
+                <a:gridCol w="4777213">
+                  <a:extLst>
+                    <a:ext uri="{9D8B030D-6E8A-4147-A177-3AD203B41FA5}">
+                      <a16:colId xmlns:a16="http://schemas.microsoft.com/office/drawing/2014/main" val="3404609310"/>
+                    </a:ext>
+                  </a:extLst>
+                </a:gridCol>
+                <a:gridCol w="3681644">
+                  <a:extLst>
+                    <a:ext uri="{9D8B030D-6E8A-4147-A177-3AD203B41FA5}">
+                      <a16:colId xmlns:a16="http://schemas.microsoft.com/office/drawing/2014/main" val="622560644"/>
+                    </a:ext>
+                  </a:extLst>
+                </a:gridCol>
+              </a:tblGrid>
+              <a:tr h="498681">
+                <a:tc>
+                  <a:txBody>
+                    <a:bodyPr/>
+                    <a:lstStyle/>
+                    <a:p>
+                      <a:pPr algn="ctr"/>
+                      <a:r>
+                        <a:rPr lang="fr-FR" sz="2800" dirty="0"/>
+                        <a:t>Participants</a:t>
+                      </a:r>
+                    </a:p>
+                  </a:txBody>
+                  <a:tcPr/>
+                </a:tc>
+                <a:tc>
+                  <a:txBody>
+                    <a:bodyPr/>
+                    <a:lstStyle/>
+                    <a:p>
+                      <a:r>
+                        <a:rPr lang="fr-FR" sz="2400" dirty="0"/>
+                        <a:t>Taches individuelles </a:t>
+                      </a:r>
+                    </a:p>
+                  </a:txBody>
+                  <a:tcPr/>
+                </a:tc>
+                <a:tc>
+                  <a:txBody>
+                    <a:bodyPr/>
+                    <a:lstStyle/>
+                    <a:p>
+                      <a:r>
+                        <a:rPr lang="fr-FR" sz="2400" dirty="0"/>
+                        <a:t>Taches communes</a:t>
+                      </a:r>
+                    </a:p>
+                  </a:txBody>
+                  <a:tcPr/>
+                </a:tc>
+                <a:extLst>
+                  <a:ext uri="{0D108BD9-81ED-4DB2-BD59-A6C34878D82A}">
+                    <a16:rowId xmlns:a16="http://schemas.microsoft.com/office/drawing/2014/main" val="2401262651"/>
+                  </a:ext>
+                </a:extLst>
+              </a:tr>
+              <a:tr h="792023">
+                <a:tc>
+                  <a:txBody>
+                    <a:bodyPr/>
+                    <a:lstStyle/>
+                    <a:p>
+                      <a:r>
+                        <a:rPr lang="fr-FR" sz="2400" dirty="0" err="1"/>
+                        <a:t>Insaf</a:t>
+                      </a:r>
+                      <a:endParaRPr lang="fr-FR" sz="2400" dirty="0"/>
+                    </a:p>
+                  </a:txBody>
+                  <a:tcPr/>
+                </a:tc>
+                <a:tc>
+                  <a:txBody>
+                    <a:bodyPr/>
+                    <a:lstStyle/>
+                    <a:p>
+                      <a:r>
+                        <a:rPr lang="fr-FR" sz="2400" dirty="0"/>
+                        <a:t>Croisement, classe </a:t>
+                      </a:r>
+                      <a:r>
+                        <a:rPr lang="fr-FR" sz="2400" dirty="0" err="1"/>
+                        <a:t>SetUpParams</a:t>
+                      </a:r>
+                      <a:r>
+                        <a:rPr lang="fr-FR" sz="2400" dirty="0"/>
+                        <a:t> et le rapport</a:t>
+                      </a:r>
+                    </a:p>
+                  </a:txBody>
+                  <a:tcPr/>
+                </a:tc>
+                <a:tc>
+                  <a:txBody>
+                    <a:bodyPr/>
+                    <a:lstStyle/>
+                    <a:p>
+                      <a:r>
+                        <a:rPr lang="fr-FR" sz="2400" dirty="0"/>
+                        <a:t>Classe </a:t>
+                      </a:r>
+                      <a:r>
+                        <a:rPr lang="fr-FR" sz="2400" dirty="0" err="1"/>
+                        <a:t>Algorithm</a:t>
+                      </a:r>
+                      <a:r>
+                        <a:rPr lang="fr-FR" sz="2400" dirty="0"/>
+                        <a:t>, Solution</a:t>
+                      </a:r>
+                    </a:p>
+                  </a:txBody>
+                  <a:tcPr/>
+                </a:tc>
+                <a:extLst>
+                  <a:ext uri="{0D108BD9-81ED-4DB2-BD59-A6C34878D82A}">
+                    <a16:rowId xmlns:a16="http://schemas.microsoft.com/office/drawing/2014/main" val="3245900477"/>
+                  </a:ext>
+                </a:extLst>
+              </a:tr>
+              <a:tr h="1144033">
+                <a:tc>
+                  <a:txBody>
+                    <a:bodyPr/>
+                    <a:lstStyle/>
+                    <a:p>
+                      <a:r>
+                        <a:rPr lang="fr-FR" sz="2400" dirty="0" err="1"/>
+                        <a:t>Asmae</a:t>
+                      </a:r>
+                      <a:r>
+                        <a:rPr lang="fr-FR" sz="2400" dirty="0"/>
+                        <a:t> </a:t>
+                      </a:r>
+                    </a:p>
+                  </a:txBody>
+                  <a:tcPr/>
+                </a:tc>
+                <a:tc>
+                  <a:txBody>
+                    <a:bodyPr/>
+                    <a:lstStyle/>
+                    <a:p>
+                      <a:r>
+                        <a:rPr lang="fr-FR" sz="2400" dirty="0"/>
+                        <a:t>Initialisation et Power Point</a:t>
+                      </a:r>
+                    </a:p>
+                  </a:txBody>
+                  <a:tcPr/>
+                </a:tc>
+                <a:tc>
+                  <a:txBody>
+                    <a:bodyPr/>
+                    <a:lstStyle/>
+                    <a:p>
+                      <a:pPr marL="0" marR="0" lvl="0" indent="0" algn="l" defTabSz="914400" rtl="0" eaLnBrk="1" fontAlgn="auto" latinLnBrk="0" hangingPunct="1">
+                        <a:lnSpc>
+                          <a:spcPct val="100000"/>
+                        </a:lnSpc>
+                        <a:spcBef>
+                          <a:spcPts val="0"/>
+                        </a:spcBef>
+                        <a:spcAft>
+                          <a:spcPts val="0"/>
+                        </a:spcAft>
+                        <a:buClrTx/>
+                        <a:buSzTx/>
+                        <a:buFontTx/>
+                        <a:buNone/>
+                        <a:tabLst/>
+                        <a:defRPr/>
+                      </a:pPr>
+                      <a:r>
+                        <a:rPr lang="fr-FR" sz="2400" dirty="0"/>
+                        <a:t>Classe </a:t>
+                      </a:r>
+                      <a:r>
+                        <a:rPr lang="fr-FR" sz="2400" dirty="0" err="1"/>
+                        <a:t>Algorithm</a:t>
+                      </a:r>
+                      <a:r>
+                        <a:rPr lang="fr-FR" sz="2400" dirty="0"/>
+                        <a:t>, Solution</a:t>
+                      </a:r>
+                    </a:p>
+                    <a:p>
+                      <a:endParaRPr lang="fr-FR" sz="2400" dirty="0"/>
+                    </a:p>
+                  </a:txBody>
+                  <a:tcPr/>
+                </a:tc>
+                <a:extLst>
+                  <a:ext uri="{0D108BD9-81ED-4DB2-BD59-A6C34878D82A}">
+                    <a16:rowId xmlns:a16="http://schemas.microsoft.com/office/drawing/2014/main" val="3492475428"/>
+                  </a:ext>
+                </a:extLst>
+              </a:tr>
+              <a:tr h="792023">
+                <a:tc>
+                  <a:txBody>
+                    <a:bodyPr/>
+                    <a:lstStyle/>
+                    <a:p>
+                      <a:r>
+                        <a:rPr lang="fr-FR" sz="2400" dirty="0"/>
+                        <a:t>Boubou </a:t>
+                      </a:r>
+                    </a:p>
+                  </a:txBody>
+                  <a:tcPr/>
+                </a:tc>
+                <a:tc>
+                  <a:txBody>
+                    <a:bodyPr/>
+                    <a:lstStyle/>
+                    <a:p>
+                      <a:r>
+                        <a:rPr lang="fr-FR" sz="2400" dirty="0"/>
+                        <a:t>Mutation et benchmarks</a:t>
+                      </a:r>
+                    </a:p>
+                  </a:txBody>
+                  <a:tcPr/>
+                </a:tc>
+                <a:tc>
+                  <a:txBody>
+                    <a:bodyPr/>
+                    <a:lstStyle/>
+                    <a:p>
+                      <a:pPr marL="0" marR="0" lvl="0" indent="0" algn="l" defTabSz="914400" rtl="0" eaLnBrk="1" fontAlgn="auto" latinLnBrk="0" hangingPunct="1">
+                        <a:lnSpc>
+                          <a:spcPct val="100000"/>
+                        </a:lnSpc>
+                        <a:spcBef>
+                          <a:spcPts val="0"/>
+                        </a:spcBef>
+                        <a:spcAft>
+                          <a:spcPts val="0"/>
+                        </a:spcAft>
+                        <a:buClrTx/>
+                        <a:buSzTx/>
+                        <a:buFontTx/>
+                        <a:buNone/>
+                        <a:tabLst/>
+                        <a:defRPr/>
+                      </a:pPr>
+                      <a:r>
+                        <a:rPr lang="fr-FR" sz="2400" dirty="0"/>
+                        <a:t>Classe </a:t>
+                      </a:r>
+                      <a:r>
+                        <a:rPr lang="fr-FR" sz="2400" dirty="0" err="1"/>
+                        <a:t>Algorithm</a:t>
+                      </a:r>
+                      <a:r>
+                        <a:rPr lang="fr-FR" sz="2400" dirty="0"/>
+                        <a:t>, Solution, </a:t>
+                      </a:r>
+                      <a:r>
+                        <a:rPr lang="fr-FR" sz="2400" dirty="0" err="1"/>
+                        <a:t>Problem</a:t>
+                      </a:r>
+                      <a:endParaRPr lang="fr-FR" sz="2400" dirty="0"/>
+                    </a:p>
+                  </a:txBody>
+                  <a:tcPr/>
+                </a:tc>
+                <a:extLst>
+                  <a:ext uri="{0D108BD9-81ED-4DB2-BD59-A6C34878D82A}">
+                    <a16:rowId xmlns:a16="http://schemas.microsoft.com/office/drawing/2014/main" val="2592105803"/>
+                  </a:ext>
+                </a:extLst>
+              </a:tr>
+              <a:tr h="1144033">
+                <a:tc>
+                  <a:txBody>
+                    <a:bodyPr/>
+                    <a:lstStyle/>
+                    <a:p>
+                      <a:r>
+                        <a:rPr lang="fr-FR" sz="2400" dirty="0"/>
+                        <a:t>Antoine </a:t>
+                      </a:r>
+                    </a:p>
+                  </a:txBody>
+                  <a:tcPr/>
+                </a:tc>
+                <a:tc>
+                  <a:txBody>
+                    <a:bodyPr/>
+                    <a:lstStyle/>
+                    <a:p>
+                      <a:r>
+                        <a:rPr lang="fr-FR" sz="2400" dirty="0"/>
+                        <a:t>Sélection </a:t>
+                      </a:r>
+                    </a:p>
+                  </a:txBody>
+                  <a:tcPr/>
+                </a:tc>
+                <a:tc>
+                  <a:txBody>
+                    <a:bodyPr/>
+                    <a:lstStyle/>
+                    <a:p>
+                      <a:pPr marL="0" marR="0" lvl="0" indent="0" algn="l" defTabSz="914400" rtl="0" eaLnBrk="1" fontAlgn="auto" latinLnBrk="0" hangingPunct="1">
+                        <a:lnSpc>
+                          <a:spcPct val="100000"/>
+                        </a:lnSpc>
+                        <a:spcBef>
+                          <a:spcPts val="0"/>
+                        </a:spcBef>
+                        <a:spcAft>
+                          <a:spcPts val="0"/>
+                        </a:spcAft>
+                        <a:buClrTx/>
+                        <a:buSzTx/>
+                        <a:buFontTx/>
+                        <a:buNone/>
+                        <a:tabLst/>
+                        <a:defRPr/>
+                      </a:pPr>
+                      <a:r>
+                        <a:rPr lang="fr-FR" sz="2400" dirty="0"/>
+                        <a:t>Classe </a:t>
+                      </a:r>
+                      <a:r>
+                        <a:rPr lang="fr-FR" sz="2400" dirty="0" err="1"/>
+                        <a:t>Algorithm</a:t>
+                      </a:r>
+                      <a:r>
+                        <a:rPr lang="fr-FR" sz="2400" dirty="0"/>
+                        <a:t>, Solution, </a:t>
+                      </a:r>
+                      <a:r>
+                        <a:rPr lang="fr-FR" sz="2400" dirty="0" err="1"/>
+                        <a:t>Problem</a:t>
+                      </a:r>
+                      <a:endParaRPr lang="fr-FR" sz="2400" dirty="0"/>
+                    </a:p>
+                    <a:p>
+                      <a:endParaRPr lang="fr-FR" sz="2400" dirty="0"/>
+                    </a:p>
+                  </a:txBody>
+                  <a:tcPr/>
+                </a:tc>
+                <a:extLst>
+                  <a:ext uri="{0D108BD9-81ED-4DB2-BD59-A6C34878D82A}">
+                    <a16:rowId xmlns:a16="http://schemas.microsoft.com/office/drawing/2014/main" val="1983391271"/>
+                  </a:ext>
+                </a:extLst>
+              </a:tr>
+            </a:tbl>
+          </a:graphicData>
+        </a:graphic>
+      </p:graphicFrame>
     </p:spTree>
     <p:extLst>
       <p:ext uri="{BB962C8B-B14F-4D97-AF65-F5344CB8AC3E}">
@@ -17093,6 +17554,36 @@
           </a:prstGeom>
         </p:spPr>
       </p:pic>
+      <p:sp>
+        <p:nvSpPr>
+          <p:cNvPr id="4" name="Espace réservé du numéro de diapositive 3">
+            <a:extLst>
+              <a:ext uri="{FF2B5EF4-FFF2-40B4-BE49-F238E27FC236}">
+                <a16:creationId xmlns:a16="http://schemas.microsoft.com/office/drawing/2014/main" id="{7B0E0694-99F4-4571-8CCA-145BF5F11F65}"/>
+              </a:ext>
+            </a:extLst>
+          </p:cNvPr>
+          <p:cNvSpPr>
+            <a:spLocks noGrp="1"/>
+          </p:cNvSpPr>
+          <p:nvPr>
+            <p:ph type="sldNum" sz="quarter" idx="12"/>
+          </p:nvPr>
+        </p:nvSpPr>
+        <p:spPr/>
+        <p:txBody>
+          <a:bodyPr/>
+          <a:lstStyle/>
+          <a:p>
+            <a:pPr rtl="0"/>
+            <a:fld id="{E31375A4-56A4-47D6-9801-1991572033F7}" type="slidenum">
+              <a:rPr lang="fr-FR" noProof="0" smtClean="0"/>
+              <a:t>7</a:t>
+            </a:fld>
+            <a:endParaRPr lang="fr-FR" noProof="0"/>
+          </a:p>
+        </p:txBody>
+      </p:sp>
     </p:spTree>
     <p:extLst>
       <p:ext uri="{BB962C8B-B14F-4D97-AF65-F5344CB8AC3E}">
@@ -17217,6 +17708,36 @@
           </a:prstGeom>
         </p:spPr>
       </p:pic>
+      <p:sp>
+        <p:nvSpPr>
+          <p:cNvPr id="4" name="Espace réservé du numéro de diapositive 3">
+            <a:extLst>
+              <a:ext uri="{FF2B5EF4-FFF2-40B4-BE49-F238E27FC236}">
+                <a16:creationId xmlns:a16="http://schemas.microsoft.com/office/drawing/2014/main" id="{08BF8CF5-0513-4876-9F1F-E49141B36F62}"/>
+              </a:ext>
+            </a:extLst>
+          </p:cNvPr>
+          <p:cNvSpPr>
+            <a:spLocks noGrp="1"/>
+          </p:cNvSpPr>
+          <p:nvPr>
+            <p:ph type="sldNum" sz="quarter" idx="12"/>
+          </p:nvPr>
+        </p:nvSpPr>
+        <p:spPr/>
+        <p:txBody>
+          <a:bodyPr/>
+          <a:lstStyle/>
+          <a:p>
+            <a:pPr rtl="0"/>
+            <a:fld id="{E31375A4-56A4-47D6-9801-1991572033F7}" type="slidenum">
+              <a:rPr lang="fr-FR" noProof="0" smtClean="0"/>
+              <a:t>8</a:t>
+            </a:fld>
+            <a:endParaRPr lang="fr-FR" noProof="0"/>
+          </a:p>
+        </p:txBody>
+      </p:sp>
     </p:spTree>
     <p:extLst>
       <p:ext uri="{BB962C8B-B14F-4D97-AF65-F5344CB8AC3E}">

--- a/WeightedDifferentialEvolutionAlgorithm.pptx
+++ b/WeightedDifferentialEvolutionAlgorithm.pptx
@@ -17466,36 +17466,6 @@
       </p:sp>
       <p:pic>
         <p:nvPicPr>
-          <p:cNvPr id="8" name="Image 7">
-            <a:extLst>
-              <a:ext uri="{FF2B5EF4-FFF2-40B4-BE49-F238E27FC236}">
-                <a16:creationId xmlns:a16="http://schemas.microsoft.com/office/drawing/2014/main" id="{78EA9B73-5AA8-434F-8548-7D4C96B69532}"/>
-              </a:ext>
-            </a:extLst>
-          </p:cNvPr>
-          <p:cNvPicPr>
-            <a:picLocks noChangeAspect="1"/>
-          </p:cNvPicPr>
-          <p:nvPr/>
-        </p:nvPicPr>
-        <p:blipFill>
-          <a:blip r:embed="rId3"/>
-          <a:stretch>
-            <a:fillRect/>
-          </a:stretch>
-        </p:blipFill>
-        <p:spPr>
-          <a:xfrm>
-            <a:off x="4893500" y="2596240"/>
-            <a:ext cx="2405000" cy="2335089"/>
-          </a:xfrm>
-          <a:prstGeom prst="rect">
-            <a:avLst/>
-          </a:prstGeom>
-        </p:spPr>
-      </p:pic>
-      <p:pic>
-        <p:nvPicPr>
           <p:cNvPr id="6" name="Image 5">
             <a:extLst>
               <a:ext uri="{FF2B5EF4-FFF2-40B4-BE49-F238E27FC236}">
@@ -17509,7 +17479,7 @@
           <p:nvPr/>
         </p:nvPicPr>
         <p:blipFill>
-          <a:blip r:embed="rId4"/>
+          <a:blip r:embed="rId3"/>
           <a:stretch>
             <a:fillRect/>
           </a:stretch>
@@ -17539,15 +17509,15 @@
           <p:nvPr/>
         </p:nvPicPr>
         <p:blipFill>
-          <a:blip r:embed="rId5"/>
+          <a:blip r:embed="rId4"/>
           <a:stretch>
             <a:fillRect/>
           </a:stretch>
         </p:blipFill>
         <p:spPr>
           <a:xfrm>
-            <a:off x="8158174" y="2315028"/>
-            <a:ext cx="3349435" cy="2512076"/>
+            <a:off x="8018094" y="2212957"/>
+            <a:ext cx="4173906" cy="3130429"/>
           </a:xfrm>
           <a:prstGeom prst="rect">
             <a:avLst/>
@@ -17584,6 +17554,36 @@
           </a:p>
         </p:txBody>
       </p:sp>
+      <p:pic>
+        <p:nvPicPr>
+          <p:cNvPr id="7" name="Image 6">
+            <a:extLst>
+              <a:ext uri="{FF2B5EF4-FFF2-40B4-BE49-F238E27FC236}">
+                <a16:creationId xmlns:a16="http://schemas.microsoft.com/office/drawing/2014/main" id="{5DD3C87D-E8C9-4FEE-A1C6-6095FD779353}"/>
+              </a:ext>
+            </a:extLst>
+          </p:cNvPr>
+          <p:cNvPicPr>
+            <a:picLocks noChangeAspect="1"/>
+          </p:cNvPicPr>
+          <p:nvPr/>
+        </p:nvPicPr>
+        <p:blipFill>
+          <a:blip r:embed="rId5"/>
+          <a:stretch>
+            <a:fillRect/>
+          </a:stretch>
+        </p:blipFill>
+        <p:spPr>
+          <a:xfrm>
+            <a:off x="5024437" y="2357437"/>
+            <a:ext cx="2624720" cy="2624720"/>
+          </a:xfrm>
+          <a:prstGeom prst="rect">
+            <a:avLst/>
+          </a:prstGeom>
+        </p:spPr>
+      </p:pic>
     </p:spTree>
     <p:extLst>
       <p:ext uri="{BB962C8B-B14F-4D97-AF65-F5344CB8AC3E}">
